--- a/paper_presentation/stp-ntk/stp-ntk.pptx
+++ b/paper_presentation/stp-ntk/stp-ntk.pptx
@@ -774,12 +774,7 @@
           <a:p>
             <a:r>
               <a:rPr lang="en-US" dirty="0"/>
-              <a:t>$$
-\mathbin{E}[y] = \phi
-$$
-$$
-\mathbin{COV}[y] = \frac{\nu}{\nu - 2} K
-$$</a:t>
+              <a:t/>
             </a:r>
             <a:endParaRPr lang="en-US" dirty="0"/>
           </a:p>
